--- a/Textbook/Figures/Chapter4/fig_mirror_wall.pptx
+++ b/Textbook/Figures/Chapter4/fig_mirror_wall.pptx
@@ -243,7 +243,7 @@
           <a:p>
             <a:fld id="{A8F48D5B-9275-4A08-B238-9C7CECCD580A}" type="datetimeFigureOut">
               <a:rPr lang="en-US" smtClean="0"/>
-              <a:t>6/15/2022</a:t>
+              <a:t>10/11/2022</a:t>
             </a:fld>
             <a:endParaRPr lang="en-US"/>
           </a:p>
@@ -413,7 +413,7 @@
           <a:p>
             <a:fld id="{A8F48D5B-9275-4A08-B238-9C7CECCD580A}" type="datetimeFigureOut">
               <a:rPr lang="en-US" smtClean="0"/>
-              <a:t>6/15/2022</a:t>
+              <a:t>10/11/2022</a:t>
             </a:fld>
             <a:endParaRPr lang="en-US"/>
           </a:p>
@@ -593,7 +593,7 @@
           <a:p>
             <a:fld id="{A8F48D5B-9275-4A08-B238-9C7CECCD580A}" type="datetimeFigureOut">
               <a:rPr lang="en-US" smtClean="0"/>
-              <a:t>6/15/2022</a:t>
+              <a:t>10/11/2022</a:t>
             </a:fld>
             <a:endParaRPr lang="en-US"/>
           </a:p>
@@ -763,7 +763,7 @@
           <a:p>
             <a:fld id="{A8F48D5B-9275-4A08-B238-9C7CECCD580A}" type="datetimeFigureOut">
               <a:rPr lang="en-US" smtClean="0"/>
-              <a:t>6/15/2022</a:t>
+              <a:t>10/11/2022</a:t>
             </a:fld>
             <a:endParaRPr lang="en-US"/>
           </a:p>
@@ -1007,7 +1007,7 @@
           <a:p>
             <a:fld id="{A8F48D5B-9275-4A08-B238-9C7CECCD580A}" type="datetimeFigureOut">
               <a:rPr lang="en-US" smtClean="0"/>
-              <a:t>6/15/2022</a:t>
+              <a:t>10/11/2022</a:t>
             </a:fld>
             <a:endParaRPr lang="en-US"/>
           </a:p>
@@ -1239,7 +1239,7 @@
           <a:p>
             <a:fld id="{A8F48D5B-9275-4A08-B238-9C7CECCD580A}" type="datetimeFigureOut">
               <a:rPr lang="en-US" smtClean="0"/>
-              <a:t>6/15/2022</a:t>
+              <a:t>10/11/2022</a:t>
             </a:fld>
             <a:endParaRPr lang="en-US"/>
           </a:p>
@@ -1606,7 +1606,7 @@
           <a:p>
             <a:fld id="{A8F48D5B-9275-4A08-B238-9C7CECCD580A}" type="datetimeFigureOut">
               <a:rPr lang="en-US" smtClean="0"/>
-              <a:t>6/15/2022</a:t>
+              <a:t>10/11/2022</a:t>
             </a:fld>
             <a:endParaRPr lang="en-US"/>
           </a:p>
@@ -1724,7 +1724,7 @@
           <a:p>
             <a:fld id="{A8F48D5B-9275-4A08-B238-9C7CECCD580A}" type="datetimeFigureOut">
               <a:rPr lang="en-US" smtClean="0"/>
-              <a:t>6/15/2022</a:t>
+              <a:t>10/11/2022</a:t>
             </a:fld>
             <a:endParaRPr lang="en-US"/>
           </a:p>
@@ -1819,7 +1819,7 @@
           <a:p>
             <a:fld id="{A8F48D5B-9275-4A08-B238-9C7CECCD580A}" type="datetimeFigureOut">
               <a:rPr lang="en-US" smtClean="0"/>
-              <a:t>6/15/2022</a:t>
+              <a:t>10/11/2022</a:t>
             </a:fld>
             <a:endParaRPr lang="en-US"/>
           </a:p>
@@ -2096,7 +2096,7 @@
           <a:p>
             <a:fld id="{A8F48D5B-9275-4A08-B238-9C7CECCD580A}" type="datetimeFigureOut">
               <a:rPr lang="en-US" smtClean="0"/>
-              <a:t>6/15/2022</a:t>
+              <a:t>10/11/2022</a:t>
             </a:fld>
             <a:endParaRPr lang="en-US"/>
           </a:p>
@@ -2353,7 +2353,7 @@
           <a:p>
             <a:fld id="{A8F48D5B-9275-4A08-B238-9C7CECCD580A}" type="datetimeFigureOut">
               <a:rPr lang="en-US" smtClean="0"/>
-              <a:t>6/15/2022</a:t>
+              <a:t>10/11/2022</a:t>
             </a:fld>
             <a:endParaRPr lang="en-US"/>
           </a:p>
@@ -2566,7 +2566,7 @@
           <a:p>
             <a:fld id="{A8F48D5B-9275-4A08-B238-9C7CECCD580A}" type="datetimeFigureOut">
               <a:rPr lang="en-US" smtClean="0"/>
-              <a:t>6/15/2022</a:t>
+              <a:t>10/11/2022</a:t>
             </a:fld>
             <a:endParaRPr lang="en-US"/>
           </a:p>
@@ -3301,10 +3301,10 @@
             <a:avLst/>
           </a:prstGeom>
           <a:noFill/>
-          <a:ln w="9525">
+          <a:ln w="12700">
             <a:solidFill>
               <a:schemeClr val="bg1">
-                <a:lumMod val="85000"/>
+                <a:lumMod val="50000"/>
               </a:schemeClr>
             </a:solidFill>
           </a:ln>
@@ -3355,10 +3355,10 @@
             <a:avLst/>
           </a:prstGeom>
           <a:noFill/>
-          <a:ln w="9525">
+          <a:ln w="12700">
             <a:solidFill>
               <a:schemeClr val="bg1">
-                <a:lumMod val="85000"/>
+                <a:lumMod val="50000"/>
               </a:schemeClr>
             </a:solidFill>
           </a:ln>
@@ -3409,10 +3409,10 @@
             <a:avLst/>
           </a:prstGeom>
           <a:noFill/>
-          <a:ln w="9525">
+          <a:ln w="12700">
             <a:solidFill>
               <a:schemeClr val="bg1">
-                <a:lumMod val="85000"/>
+                <a:lumMod val="50000"/>
               </a:schemeClr>
             </a:solidFill>
           </a:ln>
@@ -3463,10 +3463,10 @@
             <a:avLst/>
           </a:prstGeom>
           <a:noFill/>
-          <a:ln w="9525">
+          <a:ln w="12700">
             <a:solidFill>
               <a:schemeClr val="bg1">
-                <a:lumMod val="85000"/>
+                <a:lumMod val="50000"/>
               </a:schemeClr>
             </a:solidFill>
           </a:ln>
@@ -3517,10 +3517,10 @@
             <a:avLst/>
           </a:prstGeom>
           <a:noFill/>
-          <a:ln w="9525">
+          <a:ln w="12700">
             <a:solidFill>
               <a:schemeClr val="bg1">
-                <a:lumMod val="85000"/>
+                <a:lumMod val="50000"/>
               </a:schemeClr>
             </a:solidFill>
           </a:ln>
@@ -3593,10 +3593,10 @@
             <a:prstGeom prst="line">
               <a:avLst/>
             </a:prstGeom>
-            <a:ln w="9525">
+            <a:ln w="12700">
               <a:solidFill>
                 <a:schemeClr val="bg1">
-                  <a:lumMod val="85000"/>
+                  <a:lumMod val="50000"/>
                 </a:schemeClr>
               </a:solidFill>
             </a:ln>
@@ -3639,10 +3639,10 @@
             <a:prstGeom prst="line">
               <a:avLst/>
             </a:prstGeom>
-            <a:ln w="9525">
+            <a:ln w="12700">
               <a:solidFill>
                 <a:schemeClr val="bg1">
-                  <a:lumMod val="85000"/>
+                  <a:lumMod val="50000"/>
                 </a:schemeClr>
               </a:solidFill>
             </a:ln>
@@ -3705,10 +3705,10 @@
             <a:prstGeom prst="line">
               <a:avLst/>
             </a:prstGeom>
-            <a:ln w="9525">
+            <a:ln w="12700">
               <a:solidFill>
                 <a:schemeClr val="bg1">
-                  <a:lumMod val="85000"/>
+                  <a:lumMod val="50000"/>
                 </a:schemeClr>
               </a:solidFill>
             </a:ln>
@@ -3750,10 +3750,10 @@
             <a:prstGeom prst="line">
               <a:avLst/>
             </a:prstGeom>
-            <a:ln w="9525">
+            <a:ln w="12700">
               <a:solidFill>
                 <a:schemeClr val="bg1">
-                  <a:lumMod val="85000"/>
+                  <a:lumMod val="50000"/>
                 </a:schemeClr>
               </a:solidFill>
             </a:ln>
@@ -3816,10 +3816,10 @@
             <a:prstGeom prst="line">
               <a:avLst/>
             </a:prstGeom>
-            <a:ln w="9525">
+            <a:ln w="12700">
               <a:solidFill>
                 <a:schemeClr val="bg1">
-                  <a:lumMod val="85000"/>
+                  <a:lumMod val="50000"/>
                 </a:schemeClr>
               </a:solidFill>
             </a:ln>
@@ -3861,10 +3861,10 @@
             <a:prstGeom prst="line">
               <a:avLst/>
             </a:prstGeom>
-            <a:ln w="9525">
+            <a:ln w="12700">
               <a:solidFill>
                 <a:schemeClr val="bg1">
-                  <a:lumMod val="85000"/>
+                  <a:lumMod val="50000"/>
                 </a:schemeClr>
               </a:solidFill>
             </a:ln>
@@ -3927,10 +3927,10 @@
             <a:prstGeom prst="line">
               <a:avLst/>
             </a:prstGeom>
-            <a:ln w="9525">
+            <a:ln w="12700">
               <a:solidFill>
                 <a:schemeClr val="bg1">
-                  <a:lumMod val="85000"/>
+                  <a:lumMod val="50000"/>
                 </a:schemeClr>
               </a:solidFill>
             </a:ln>
@@ -3972,10 +3972,10 @@
             <a:prstGeom prst="line">
               <a:avLst/>
             </a:prstGeom>
-            <a:ln w="9525">
+            <a:ln w="12700">
               <a:solidFill>
                 <a:schemeClr val="bg1">
-                  <a:lumMod val="85000"/>
+                  <a:lumMod val="50000"/>
                 </a:schemeClr>
               </a:solidFill>
             </a:ln>
